--- a/EnchainementsDiagrammes.pptx
+++ b/EnchainementsDiagrammes.pptx
@@ -289,7 +289,7 @@
             <a:fld id="{E1A6AF5E-C65D-D845-8FFC-383839339CF5}" type="datetimeFigureOut">
               <a:rPr lang="fr-FR" smtClean="0"/>
               <a:pPr/>
-              <a:t>8/10/12</a:t>
+              <a:t>12/10/12</a:t>
             </a:fld>
             <a:endParaRPr lang="fr-FR"/>
           </a:p>
@@ -456,7 +456,7 @@
             <a:fld id="{E1A6AF5E-C65D-D845-8FFC-383839339CF5}" type="datetimeFigureOut">
               <a:rPr lang="fr-FR" smtClean="0"/>
               <a:pPr/>
-              <a:t>8/10/12</a:t>
+              <a:t>12/10/12</a:t>
             </a:fld>
             <a:endParaRPr lang="fr-FR"/>
           </a:p>
@@ -633,7 +633,7 @@
             <a:fld id="{E1A6AF5E-C65D-D845-8FFC-383839339CF5}" type="datetimeFigureOut">
               <a:rPr lang="fr-FR" smtClean="0"/>
               <a:pPr/>
-              <a:t>8/10/12</a:t>
+              <a:t>12/10/12</a:t>
             </a:fld>
             <a:endParaRPr lang="fr-FR"/>
           </a:p>
@@ -800,7 +800,7 @@
             <a:fld id="{E1A6AF5E-C65D-D845-8FFC-383839339CF5}" type="datetimeFigureOut">
               <a:rPr lang="fr-FR" smtClean="0"/>
               <a:pPr/>
-              <a:t>8/10/12</a:t>
+              <a:t>12/10/12</a:t>
             </a:fld>
             <a:endParaRPr lang="fr-FR"/>
           </a:p>
@@ -1043,7 +1043,7 @@
             <a:fld id="{E1A6AF5E-C65D-D845-8FFC-383839339CF5}" type="datetimeFigureOut">
               <a:rPr lang="fr-FR" smtClean="0"/>
               <a:pPr/>
-              <a:t>8/10/12</a:t>
+              <a:t>12/10/12</a:t>
             </a:fld>
             <a:endParaRPr lang="fr-FR"/>
           </a:p>
@@ -1328,7 +1328,7 @@
             <a:fld id="{E1A6AF5E-C65D-D845-8FFC-383839339CF5}" type="datetimeFigureOut">
               <a:rPr lang="fr-FR" smtClean="0"/>
               <a:pPr/>
-              <a:t>8/10/12</a:t>
+              <a:t>12/10/12</a:t>
             </a:fld>
             <a:endParaRPr lang="fr-FR"/>
           </a:p>
@@ -1747,7 +1747,7 @@
             <a:fld id="{E1A6AF5E-C65D-D845-8FFC-383839339CF5}" type="datetimeFigureOut">
               <a:rPr lang="fr-FR" smtClean="0"/>
               <a:pPr/>
-              <a:t>8/10/12</a:t>
+              <a:t>12/10/12</a:t>
             </a:fld>
             <a:endParaRPr lang="fr-FR"/>
           </a:p>
@@ -1862,7 +1862,7 @@
             <a:fld id="{E1A6AF5E-C65D-D845-8FFC-383839339CF5}" type="datetimeFigureOut">
               <a:rPr lang="fr-FR" smtClean="0"/>
               <a:pPr/>
-              <a:t>8/10/12</a:t>
+              <a:t>12/10/12</a:t>
             </a:fld>
             <a:endParaRPr lang="fr-FR"/>
           </a:p>
@@ -1954,7 +1954,7 @@
             <a:fld id="{E1A6AF5E-C65D-D845-8FFC-383839339CF5}" type="datetimeFigureOut">
               <a:rPr lang="fr-FR" smtClean="0"/>
               <a:pPr/>
-              <a:t>8/10/12</a:t>
+              <a:t>12/10/12</a:t>
             </a:fld>
             <a:endParaRPr lang="fr-FR"/>
           </a:p>
@@ -2228,7 +2228,7 @@
             <a:fld id="{E1A6AF5E-C65D-D845-8FFC-383839339CF5}" type="datetimeFigureOut">
               <a:rPr lang="fr-FR" smtClean="0"/>
               <a:pPr/>
-              <a:t>8/10/12</a:t>
+              <a:t>12/10/12</a:t>
             </a:fld>
             <a:endParaRPr lang="fr-FR"/>
           </a:p>
@@ -2478,7 +2478,7 @@
             <a:fld id="{E1A6AF5E-C65D-D845-8FFC-383839339CF5}" type="datetimeFigureOut">
               <a:rPr lang="fr-FR" smtClean="0"/>
               <a:pPr/>
-              <a:t>8/10/12</a:t>
+              <a:t>12/10/12</a:t>
             </a:fld>
             <a:endParaRPr lang="fr-FR"/>
           </a:p>
@@ -2688,7 +2688,7 @@
             <a:fld id="{E1A6AF5E-C65D-D845-8FFC-383839339CF5}" type="datetimeFigureOut">
               <a:rPr lang="fr-FR" smtClean="0"/>
               <a:pPr/>
-              <a:t>8/10/12</a:t>
+              <a:t>12/10/12</a:t>
             </a:fld>
             <a:endParaRPr lang="fr-FR"/>
           </a:p>
@@ -3478,7 +3478,11 @@
             <a:pPr algn="ctr"/>
             <a:r>
               <a:rPr lang="fr-FR" dirty="0" smtClean="0"/>
-              <a:t>MOT futur</a:t>
+              <a:t>MOT</a:t>
+            </a:r>
+            <a:r>
+              <a:rPr lang="fr-FR" dirty="0" smtClean="0"/>
+              <a:t> futur</a:t>
             </a:r>
             <a:endParaRPr lang="fr-FR" dirty="0"/>
           </a:p>
@@ -4392,7 +4396,7 @@
         </p:nvSpPr>
         <p:spPr>
           <a:xfrm>
-            <a:off x="3688711" y="5839233"/>
+            <a:off x="1997864" y="4433164"/>
             <a:ext cx="1231239" cy="476270"/>
           </a:xfrm>
           <a:prstGeom prst="roundRect">
@@ -4441,13 +4445,16 @@
       <p:cxnSp>
         <p:nvCxnSpPr>
           <p:cNvPr id="81" name="Connecteur droit avec flèche 80"/>
-          <p:cNvCxnSpPr/>
+          <p:cNvCxnSpPr>
+            <a:stCxn id="80" idx="2"/>
+            <a:endCxn id="76" idx="1"/>
+          </p:cNvCxnSpPr>
           <p:nvPr/>
         </p:nvCxnSpPr>
         <p:spPr>
-          <a:xfrm rot="16200000" flipV="1">
-            <a:off x="4068839" y="5629682"/>
-            <a:ext cx="461386" cy="3198"/>
+          <a:xfrm rot="16200000" flipH="1">
+            <a:off x="3032029" y="4490888"/>
+            <a:ext cx="238135" cy="1075225"/>
           </a:xfrm>
           <a:prstGeom prst="straightConnector1">
             <a:avLst/>
@@ -4535,6 +4542,299 @@
             <a:ext cx="1200656" cy="1"/>
           </a:xfrm>
           <a:prstGeom prst="straightConnector1">
+            <a:avLst/>
+          </a:prstGeom>
+          <a:ln>
+            <a:tailEnd type="arrow"/>
+          </a:ln>
+        </p:spPr>
+        <p:style>
+          <a:lnRef idx="2">
+            <a:schemeClr val="accent1"/>
+          </a:lnRef>
+          <a:fillRef idx="0">
+            <a:schemeClr val="accent1"/>
+          </a:fillRef>
+          <a:effectRef idx="1">
+            <a:schemeClr val="accent1"/>
+          </a:effectRef>
+          <a:fontRef idx="minor">
+            <a:schemeClr val="tx1"/>
+          </a:fontRef>
+        </p:style>
+      </p:cxnSp>
+      <p:cxnSp>
+        <p:nvCxnSpPr>
+          <p:cNvPr id="40" name="Connecteur droit avec flèche 39"/>
+          <p:cNvCxnSpPr>
+            <a:stCxn id="80" idx="0"/>
+            <a:endCxn id="6" idx="1"/>
+          </p:cNvCxnSpPr>
+          <p:nvPr/>
+        </p:nvCxnSpPr>
+        <p:spPr>
+          <a:xfrm rot="5400000" flipH="1" flipV="1">
+            <a:off x="3139942" y="3683456"/>
+            <a:ext cx="223251" cy="1276167"/>
+          </a:xfrm>
+          <a:prstGeom prst="straightConnector1">
+            <a:avLst/>
+          </a:prstGeom>
+          <a:ln>
+            <a:headEnd type="arrow"/>
+            <a:tailEnd type="arrow"/>
+          </a:ln>
+        </p:spPr>
+        <p:style>
+          <a:lnRef idx="2">
+            <a:schemeClr val="accent1"/>
+          </a:lnRef>
+          <a:fillRef idx="0">
+            <a:schemeClr val="accent1"/>
+          </a:fillRef>
+          <a:effectRef idx="1">
+            <a:schemeClr val="accent1"/>
+          </a:effectRef>
+          <a:fontRef idx="minor">
+            <a:schemeClr val="tx1"/>
+          </a:fontRef>
+        </p:style>
+      </p:cxnSp>
+      <p:cxnSp>
+        <p:nvCxnSpPr>
+          <p:cNvPr id="43" name="Connecteur droit avec flèche 42"/>
+          <p:cNvCxnSpPr>
+            <a:stCxn id="20" idx="3"/>
+            <a:endCxn id="29" idx="1"/>
+          </p:cNvCxnSpPr>
+          <p:nvPr/>
+        </p:nvCxnSpPr>
+        <p:spPr>
+          <a:xfrm flipV="1">
+            <a:off x="4715810" y="808315"/>
+            <a:ext cx="994365" cy="2300798"/>
+          </a:xfrm>
+          <a:prstGeom prst="straightConnector1">
+            <a:avLst/>
+          </a:prstGeom>
+          <a:ln>
+            <a:tailEnd type="arrow"/>
+          </a:ln>
+        </p:spPr>
+        <p:style>
+          <a:lnRef idx="2">
+            <a:schemeClr val="accent1"/>
+          </a:lnRef>
+          <a:fillRef idx="0">
+            <a:schemeClr val="accent1"/>
+          </a:fillRef>
+          <a:effectRef idx="1">
+            <a:schemeClr val="accent1"/>
+          </a:effectRef>
+          <a:fontRef idx="minor">
+            <a:schemeClr val="tx1"/>
+          </a:fontRef>
+        </p:style>
+      </p:cxnSp>
+      <p:sp>
+        <p:nvSpPr>
+          <p:cNvPr id="46" name="Rectangle à coins arrondis 45"/>
+          <p:cNvSpPr/>
+          <p:nvPr/>
+        </p:nvSpPr>
+        <p:spPr>
+          <a:xfrm>
+            <a:off x="7733790" y="5601092"/>
+            <a:ext cx="822960" cy="476270"/>
+          </a:xfrm>
+          <a:prstGeom prst="roundRect">
+            <a:avLst/>
+          </a:prstGeom>
+          <a:ln/>
+        </p:spPr>
+        <p:style>
+          <a:lnRef idx="2">
+            <a:schemeClr val="accent2"/>
+          </a:lnRef>
+          <a:fillRef idx="1">
+            <a:schemeClr val="lt1"/>
+          </a:fillRef>
+          <a:effectRef idx="0">
+            <a:schemeClr val="accent2"/>
+          </a:effectRef>
+          <a:fontRef idx="minor">
+            <a:schemeClr val="dk1"/>
+          </a:fontRef>
+        </p:style>
+        <p:txBody>
+          <a:bodyPr anchor="ctr"/>
+          <a:lstStyle/>
+          <a:p>
+            <a:pPr algn="ctr"/>
+            <a:r>
+              <a:rPr lang="fr-FR" dirty="0" smtClean="0"/>
+              <a:t>CODE</a:t>
+            </a:r>
+            <a:endParaRPr lang="fr-FR" dirty="0"/>
+          </a:p>
+        </p:txBody>
+      </p:sp>
+      <p:cxnSp>
+        <p:nvCxnSpPr>
+          <p:cNvPr id="47" name="Connecteur droit avec flèche 46"/>
+          <p:cNvCxnSpPr>
+            <a:stCxn id="50" idx="2"/>
+            <a:endCxn id="46" idx="0"/>
+          </p:cNvCxnSpPr>
+          <p:nvPr/>
+        </p:nvCxnSpPr>
+        <p:spPr>
+          <a:xfrm rot="5400000">
+            <a:off x="6335878" y="3791699"/>
+            <a:ext cx="3618785" cy="1588"/>
+          </a:xfrm>
+          <a:prstGeom prst="straightConnector1">
+            <a:avLst/>
+          </a:prstGeom>
+          <a:ln>
+            <a:tailEnd type="arrow"/>
+          </a:ln>
+        </p:spPr>
+        <p:style>
+          <a:lnRef idx="2">
+            <a:schemeClr val="accent1"/>
+          </a:lnRef>
+          <a:fillRef idx="0">
+            <a:schemeClr val="accent1"/>
+          </a:fillRef>
+          <a:effectRef idx="1">
+            <a:schemeClr val="accent1"/>
+          </a:effectRef>
+          <a:fontRef idx="minor">
+            <a:schemeClr val="tx1"/>
+          </a:fontRef>
+        </p:style>
+      </p:cxnSp>
+      <p:cxnSp>
+        <p:nvCxnSpPr>
+          <p:cNvPr id="56" name="Connecteur droit avec flèche 55"/>
+          <p:cNvCxnSpPr>
+            <a:stCxn id="64" idx="2"/>
+            <a:endCxn id="46" idx="0"/>
+          </p:cNvCxnSpPr>
+          <p:nvPr/>
+        </p:nvCxnSpPr>
+        <p:spPr>
+          <a:xfrm rot="16200000" flipH="1">
+            <a:off x="7547952" y="5003774"/>
+            <a:ext cx="371676" cy="822959"/>
+          </a:xfrm>
+          <a:prstGeom prst="straightConnector1">
+            <a:avLst/>
+          </a:prstGeom>
+          <a:ln>
+            <a:tailEnd type="arrow"/>
+          </a:ln>
+        </p:spPr>
+        <p:style>
+          <a:lnRef idx="2">
+            <a:schemeClr val="accent1"/>
+          </a:lnRef>
+          <a:fillRef idx="0">
+            <a:schemeClr val="accent1"/>
+          </a:fillRef>
+          <a:effectRef idx="1">
+            <a:schemeClr val="accent1"/>
+          </a:effectRef>
+          <a:fontRef idx="minor">
+            <a:schemeClr val="tx1"/>
+          </a:fontRef>
+        </p:style>
+      </p:cxnSp>
+      <p:cxnSp>
+        <p:nvCxnSpPr>
+          <p:cNvPr id="60" name="Connecteur droit avec flèche 59"/>
+          <p:cNvCxnSpPr/>
+          <p:nvPr/>
+        </p:nvCxnSpPr>
+        <p:spPr>
+          <a:xfrm>
+            <a:off x="4919949" y="5170317"/>
+            <a:ext cx="2813842" cy="691658"/>
+          </a:xfrm>
+          <a:prstGeom prst="straightConnector1">
+            <a:avLst/>
+          </a:prstGeom>
+          <a:ln>
+            <a:tailEnd type="arrow"/>
+          </a:ln>
+        </p:spPr>
+        <p:style>
+          <a:lnRef idx="2">
+            <a:schemeClr val="accent1"/>
+          </a:lnRef>
+          <a:fillRef idx="0">
+            <a:schemeClr val="accent1"/>
+          </a:fillRef>
+          <a:effectRef idx="1">
+            <a:schemeClr val="accent1"/>
+          </a:effectRef>
+          <a:fontRef idx="minor">
+            <a:schemeClr val="tx1"/>
+          </a:fontRef>
+        </p:style>
+      </p:cxnSp>
+      <p:cxnSp>
+        <p:nvCxnSpPr>
+          <p:cNvPr id="67" name="Forme 66"/>
+          <p:cNvCxnSpPr>
+            <a:stCxn id="80" idx="2"/>
+            <a:endCxn id="46" idx="1"/>
+          </p:cNvCxnSpPr>
+          <p:nvPr/>
+        </p:nvCxnSpPr>
+        <p:spPr>
+          <a:xfrm rot="16200000" flipH="1">
+            <a:off x="4708741" y="2814177"/>
+            <a:ext cx="929793" cy="5120306"/>
+          </a:xfrm>
+          <a:prstGeom prst="bentConnector2">
+            <a:avLst/>
+          </a:prstGeom>
+          <a:ln>
+            <a:tailEnd type="arrow"/>
+          </a:ln>
+        </p:spPr>
+        <p:style>
+          <a:lnRef idx="2">
+            <a:schemeClr val="accent1"/>
+          </a:lnRef>
+          <a:fillRef idx="0">
+            <a:schemeClr val="accent1"/>
+          </a:fillRef>
+          <a:effectRef idx="1">
+            <a:schemeClr val="accent1"/>
+          </a:effectRef>
+          <a:fontRef idx="minor">
+            <a:schemeClr val="tx1"/>
+          </a:fontRef>
+        </p:style>
+      </p:cxnSp>
+      <p:cxnSp>
+        <p:nvCxnSpPr>
+          <p:cNvPr id="71" name="Forme 70"/>
+          <p:cNvCxnSpPr>
+            <a:stCxn id="10" idx="2"/>
+            <a:endCxn id="46" idx="1"/>
+          </p:cNvCxnSpPr>
+          <p:nvPr/>
+        </p:nvCxnSpPr>
+        <p:spPr>
+          <a:xfrm rot="16200000" flipH="1">
+            <a:off x="6232134" y="4337570"/>
+            <a:ext cx="1391177" cy="1612135"/>
+          </a:xfrm>
+          <a:prstGeom prst="bentConnector2">
             <a:avLst/>
           </a:prstGeom>
           <a:ln>
